--- a/9. Presentation/AS_DeadlineTeam_Week3.pptx
+++ b/9. Presentation/AS_DeadlineTeam_Week3.pptx
@@ -260,7 +260,7 @@
           <a:p>
             <a:fld id="{6D892D68-995E-4539-9486-B6D10005290E}" type="datetimeFigureOut">
               <a:rPr lang="vi-VN" smtClean="0"/>
-              <a:t>20/11/2013</a:t>
+              <a:t>21/11/2013</a:t>
             </a:fld>
             <a:endParaRPr lang="vi-VN"/>
           </a:p>
@@ -430,7 +430,7 @@
           <a:p>
             <a:fld id="{6D892D68-995E-4539-9486-B6D10005290E}" type="datetimeFigureOut">
               <a:rPr lang="vi-VN" smtClean="0"/>
-              <a:t>20/11/2013</a:t>
+              <a:t>21/11/2013</a:t>
             </a:fld>
             <a:endParaRPr lang="vi-VN"/>
           </a:p>
@@ -610,7 +610,7 @@
           <a:p>
             <a:fld id="{6D892D68-995E-4539-9486-B6D10005290E}" type="datetimeFigureOut">
               <a:rPr lang="vi-VN" smtClean="0"/>
-              <a:t>20/11/2013</a:t>
+              <a:t>21/11/2013</a:t>
             </a:fld>
             <a:endParaRPr lang="vi-VN"/>
           </a:p>
@@ -780,7 +780,7 @@
           <a:p>
             <a:fld id="{6D892D68-995E-4539-9486-B6D10005290E}" type="datetimeFigureOut">
               <a:rPr lang="vi-VN" smtClean="0"/>
-              <a:t>20/11/2013</a:t>
+              <a:t>21/11/2013</a:t>
             </a:fld>
             <a:endParaRPr lang="vi-VN"/>
           </a:p>
@@ -1026,7 +1026,7 @@
           <a:p>
             <a:fld id="{6D892D68-995E-4539-9486-B6D10005290E}" type="datetimeFigureOut">
               <a:rPr lang="vi-VN" smtClean="0"/>
-              <a:t>20/11/2013</a:t>
+              <a:t>21/11/2013</a:t>
             </a:fld>
             <a:endParaRPr lang="vi-VN"/>
           </a:p>
@@ -1258,7 +1258,7 @@
           <a:p>
             <a:fld id="{6D892D68-995E-4539-9486-B6D10005290E}" type="datetimeFigureOut">
               <a:rPr lang="vi-VN" smtClean="0"/>
-              <a:t>20/11/2013</a:t>
+              <a:t>21/11/2013</a:t>
             </a:fld>
             <a:endParaRPr lang="vi-VN"/>
           </a:p>
@@ -1625,7 +1625,7 @@
           <a:p>
             <a:fld id="{6D892D68-995E-4539-9486-B6D10005290E}" type="datetimeFigureOut">
               <a:rPr lang="vi-VN" smtClean="0"/>
-              <a:t>20/11/2013</a:t>
+              <a:t>21/11/2013</a:t>
             </a:fld>
             <a:endParaRPr lang="vi-VN"/>
           </a:p>
@@ -1743,7 +1743,7 @@
           <a:p>
             <a:fld id="{6D892D68-995E-4539-9486-B6D10005290E}" type="datetimeFigureOut">
               <a:rPr lang="vi-VN" smtClean="0"/>
-              <a:t>20/11/2013</a:t>
+              <a:t>21/11/2013</a:t>
             </a:fld>
             <a:endParaRPr lang="vi-VN"/>
           </a:p>
@@ -1838,7 +1838,7 @@
           <a:p>
             <a:fld id="{6D892D68-995E-4539-9486-B6D10005290E}" type="datetimeFigureOut">
               <a:rPr lang="vi-VN" smtClean="0"/>
-              <a:t>20/11/2013</a:t>
+              <a:t>21/11/2013</a:t>
             </a:fld>
             <a:endParaRPr lang="vi-VN"/>
           </a:p>
@@ -2115,7 +2115,7 @@
           <a:p>
             <a:fld id="{6D892D68-995E-4539-9486-B6D10005290E}" type="datetimeFigureOut">
               <a:rPr lang="vi-VN" smtClean="0"/>
-              <a:t>20/11/2013</a:t>
+              <a:t>21/11/2013</a:t>
             </a:fld>
             <a:endParaRPr lang="vi-VN"/>
           </a:p>
@@ -2368,7 +2368,7 @@
           <a:p>
             <a:fld id="{6D892D68-995E-4539-9486-B6D10005290E}" type="datetimeFigureOut">
               <a:rPr lang="vi-VN" smtClean="0"/>
-              <a:t>20/11/2013</a:t>
+              <a:t>21/11/2013</a:t>
             </a:fld>
             <a:endParaRPr lang="vi-VN"/>
           </a:p>
@@ -2581,7 +2581,7 @@
           <a:p>
             <a:fld id="{6D892D68-995E-4539-9486-B6D10005290E}" type="datetimeFigureOut">
               <a:rPr lang="vi-VN" smtClean="0"/>
-              <a:t>20/11/2013</a:t>
+              <a:t>21/11/2013</a:t>
             </a:fld>
             <a:endParaRPr lang="vi-VN"/>
           </a:p>
@@ -3106,67 +3106,7 @@
                 <a:latin typeface="Arial" panose="020B0604020202020204" pitchFamily="34" charset="0"/>
                 <a:cs typeface="Arial" panose="020B0604020202020204" pitchFamily="34" charset="0"/>
               </a:rPr>
-              <a:t>Week </a:t>
-            </a:r>
-            <a:r>
-              <a:rPr lang="en-US" sz="2000" dirty="0" smtClean="0">
-                <a:solidFill>
-                  <a:schemeClr val="accent5">
-                    <a:lumMod val="50000"/>
-                  </a:schemeClr>
-                </a:solidFill>
-                <a:latin typeface="Arial" panose="020B0604020202020204" pitchFamily="34" charset="0"/>
-                <a:cs typeface="Arial" panose="020B0604020202020204" pitchFamily="34" charset="0"/>
-              </a:rPr>
-              <a:t>3 (15/11/2013 </a:t>
-            </a:r>
-            <a:r>
-              <a:rPr lang="en-US" sz="2000" dirty="0" smtClean="0">
-                <a:solidFill>
-                  <a:schemeClr val="accent5">
-                    <a:lumMod val="50000"/>
-                  </a:schemeClr>
-                </a:solidFill>
-                <a:latin typeface="Arial" panose="020B0604020202020204" pitchFamily="34" charset="0"/>
-                <a:cs typeface="Arial" panose="020B0604020202020204" pitchFamily="34" charset="0"/>
-              </a:rPr>
-              <a:t>– </a:t>
-            </a:r>
-            <a:r>
-              <a:rPr lang="en-US" sz="2000" dirty="0" smtClean="0">
-                <a:solidFill>
-                  <a:schemeClr val="accent5">
-                    <a:lumMod val="50000"/>
-                  </a:schemeClr>
-                </a:solidFill>
-                <a:latin typeface="Arial" panose="020B0604020202020204" pitchFamily="34" charset="0"/>
-                <a:cs typeface="Arial" panose="020B0604020202020204" pitchFamily="34" charset="0"/>
-              </a:rPr>
-              <a:t>20</a:t>
-            </a:r>
-            <a:r>
-              <a:rPr lang="en-US" sz="2000" dirty="0" smtClean="0">
-                <a:solidFill>
-                  <a:schemeClr val="accent5">
-                    <a:lumMod val="50000"/>
-                  </a:schemeClr>
-                </a:solidFill>
-                <a:latin typeface="Arial" panose="020B0604020202020204" pitchFamily="34" charset="0"/>
-                <a:cs typeface="Arial" panose="020B0604020202020204" pitchFamily="34" charset="0"/>
-              </a:rPr>
-              <a:t>/11/2013</a:t>
-            </a:r>
-            <a:r>
-              <a:rPr lang="en-US" sz="2000" dirty="0" smtClean="0">
-                <a:solidFill>
-                  <a:schemeClr val="accent5">
-                    <a:lumMod val="50000"/>
-                  </a:schemeClr>
-                </a:solidFill>
-                <a:latin typeface="Arial" panose="020B0604020202020204" pitchFamily="34" charset="0"/>
-                <a:cs typeface="Arial" panose="020B0604020202020204" pitchFamily="34" charset="0"/>
-              </a:rPr>
-              <a:t>)</a:t>
+              <a:t>Week 3 (15/11/2013 – 20/11/2013)</a:t>
             </a:r>
           </a:p>
           <a:p>
@@ -4283,13 +4223,8 @@
             </a:pPr>
             <a:r>
               <a:rPr lang="en-US" dirty="0" smtClean="0"/>
-              <a:t>Define </a:t>
-            </a:r>
-            <a:r>
-              <a:rPr lang="en-US" dirty="0" smtClean="0"/>
-              <a:t>Project management process</a:t>
-            </a:r>
-            <a:endParaRPr lang="en-US" dirty="0" smtClean="0"/>
+              <a:t>Define Project management process</a:t>
+            </a:r>
           </a:p>
         </p:txBody>
       </p:sp>
@@ -4322,7 +4257,6 @@
               <a:rPr lang="en-US" dirty="0" smtClean="0"/>
               <a:t>Define Change management plan </a:t>
             </a:r>
-            <a:endParaRPr lang="en-US" dirty="0" smtClean="0"/>
           </a:p>
         </p:txBody>
       </p:sp>
@@ -4357,9 +4291,6 @@
               </a:rPr>
               <a:t>Update document template, timelog template</a:t>
             </a:r>
-            <a:endParaRPr lang="vi-VN" dirty="0" smtClean="0">
-              <a:latin typeface="Calibri" panose="020F0502020204030204" pitchFamily="34" charset="0"/>
-            </a:endParaRPr>
           </a:p>
         </p:txBody>
       </p:sp>
@@ -4392,7 +4323,6 @@
               <a:rPr lang="en-US" dirty="0" smtClean="0"/>
               <a:t>Define Master plan</a:t>
             </a:r>
-            <a:endParaRPr lang="en-US" dirty="0" smtClean="0"/>
           </a:p>
         </p:txBody>
       </p:sp>
@@ -4423,13 +4353,8 @@
             </a:pPr>
             <a:r>
               <a:rPr lang="en-US" dirty="0" smtClean="0"/>
-              <a:t>Define </a:t>
-            </a:r>
-            <a:r>
-              <a:rPr lang="en-US" dirty="0" smtClean="0"/>
-              <a:t>Requirement plan</a:t>
-            </a:r>
-            <a:endParaRPr lang="en-US" dirty="0" smtClean="0"/>
+              <a:t>Define Requirement plan</a:t>
+            </a:r>
           </a:p>
         </p:txBody>
       </p:sp>
@@ -4462,7 +4387,6 @@
               <a:rPr lang="en-US" dirty="0" smtClean="0"/>
               <a:t>Define Architecture plan</a:t>
             </a:r>
-            <a:endParaRPr lang="en-US" dirty="0" smtClean="0"/>
           </a:p>
         </p:txBody>
       </p:sp>
@@ -4729,8 +4653,8 @@
         </p:nvSpPr>
         <p:spPr>
           <a:xfrm>
-            <a:off x="2184399" y="3166984"/>
-            <a:ext cx="6873420" cy="369332"/>
+            <a:off x="1981200" y="2316982"/>
+            <a:ext cx="6926320" cy="369332"/>
           </a:xfrm>
           <a:prstGeom prst="rect">
             <a:avLst/>
@@ -4747,14 +4671,14 @@
               <a:buChar char="q"/>
             </a:pPr>
             <a:r>
-              <a:rPr lang="en-US" dirty="0" smtClean="0"/>
-              <a:t>Team member </a:t>
-            </a:r>
-            <a:r>
-              <a:rPr lang="en-US" dirty="0" smtClean="0"/>
-              <a:t>don’t know how to mapping ACDM with scrum model</a:t>
-            </a:r>
-            <a:endParaRPr lang="en-US" dirty="0" smtClean="0"/>
+              <a:rPr lang="vi-VN" dirty="0" smtClean="0">
+                <a:latin typeface="Calibri" panose="020F0502020204030204" pitchFamily="34" charset="0"/>
+              </a:rPr>
+              <a:t>Team member don’t know how to mapping ACDM with scrum model</a:t>
+            </a:r>
+            <a:endParaRPr lang="vi-VN" dirty="0" smtClean="0">
+              <a:latin typeface="Calibri" panose="020F0502020204030204" pitchFamily="34" charset="0"/>
+            </a:endParaRPr>
           </a:p>
         </p:txBody>
       </p:sp>
@@ -4796,6 +4720,117 @@
                   <a:lumMod val="50000"/>
                 </a:schemeClr>
               </a:solidFill>
+            </a:endParaRPr>
+          </a:p>
+        </p:txBody>
+      </p:sp>
+      <p:sp>
+        <p:nvSpPr>
+          <p:cNvPr id="8" name="Rectangle 7"/>
+          <p:cNvSpPr/>
+          <p:nvPr/>
+        </p:nvSpPr>
+        <p:spPr>
+          <a:xfrm>
+            <a:off x="1991931" y="2907262"/>
+            <a:ext cx="5072607" cy="369332"/>
+          </a:xfrm>
+          <a:prstGeom prst="rect">
+            <a:avLst/>
+          </a:prstGeom>
+        </p:spPr>
+        <p:txBody>
+          <a:bodyPr wrap="none">
+            <a:spAutoFit/>
+          </a:bodyPr>
+          <a:lstStyle/>
+          <a:p>
+            <a:pPr marL="285750" indent="-285750">
+              <a:buFont typeface="Wingdings" panose="05000000000000000000" pitchFamily="2" charset="2"/>
+              <a:buChar char="q"/>
+            </a:pPr>
+            <a:r>
+              <a:rPr lang="vi-VN" dirty="0" smtClean="0">
+                <a:latin typeface="Calibri" panose="020F0502020204030204" pitchFamily="34" charset="0"/>
+              </a:rPr>
+              <a:t>Team member don’t have positive when meeting</a:t>
+            </a:r>
+            <a:endParaRPr lang="vi-VN" dirty="0" smtClean="0">
+              <a:latin typeface="Calibri" panose="020F0502020204030204" pitchFamily="34" charset="0"/>
+            </a:endParaRPr>
+          </a:p>
+        </p:txBody>
+      </p:sp>
+      <p:sp>
+        <p:nvSpPr>
+          <p:cNvPr id="9" name="Rectangle 8"/>
+          <p:cNvSpPr/>
+          <p:nvPr/>
+        </p:nvSpPr>
+        <p:spPr>
+          <a:xfrm>
+            <a:off x="1991930" y="3474541"/>
+            <a:ext cx="5107488" cy="369332"/>
+          </a:xfrm>
+          <a:prstGeom prst="rect">
+            <a:avLst/>
+          </a:prstGeom>
+        </p:spPr>
+        <p:txBody>
+          <a:bodyPr wrap="none">
+            <a:spAutoFit/>
+          </a:bodyPr>
+          <a:lstStyle/>
+          <a:p>
+            <a:pPr marL="285750" indent="-285750">
+              <a:buFont typeface="Wingdings" panose="05000000000000000000" pitchFamily="2" charset="2"/>
+              <a:buChar char="q"/>
+            </a:pPr>
+            <a:r>
+              <a:rPr lang="vi-VN" dirty="0" smtClean="0">
+                <a:latin typeface="Calibri" panose="020F0502020204030204" pitchFamily="34" charset="0"/>
+              </a:rPr>
+              <a:t>Team member don’t have how to define test plan</a:t>
+            </a:r>
+            <a:endParaRPr lang="vi-VN" dirty="0" smtClean="0">
+              <a:latin typeface="Calibri" panose="020F0502020204030204" pitchFamily="34" charset="0"/>
+            </a:endParaRPr>
+          </a:p>
+        </p:txBody>
+      </p:sp>
+      <p:sp>
+        <p:nvSpPr>
+          <p:cNvPr id="10" name="Rectangle 9"/>
+          <p:cNvSpPr/>
+          <p:nvPr/>
+        </p:nvSpPr>
+        <p:spPr>
+          <a:xfrm>
+            <a:off x="2002661" y="4039069"/>
+            <a:ext cx="5140831" cy="369332"/>
+          </a:xfrm>
+          <a:prstGeom prst="rect">
+            <a:avLst/>
+          </a:prstGeom>
+        </p:spPr>
+        <p:txBody>
+          <a:bodyPr wrap="none">
+            <a:spAutoFit/>
+          </a:bodyPr>
+          <a:lstStyle/>
+          <a:p>
+            <a:pPr marL="285750" indent="-285750">
+              <a:buFont typeface="Wingdings" panose="05000000000000000000" pitchFamily="2" charset="2"/>
+              <a:buChar char="q"/>
+            </a:pPr>
+            <a:r>
+              <a:rPr lang="vi-VN" dirty="0" smtClean="0">
+                <a:latin typeface="Calibri" panose="020F0502020204030204" pitchFamily="34" charset="0"/>
+              </a:rPr>
+              <a:t>Team member don’t know how to update timelog</a:t>
+            </a:r>
+            <a:endParaRPr lang="vi-VN" dirty="0" smtClean="0">
+              <a:latin typeface="Calibri" panose="020F0502020204030204" pitchFamily="34" charset="0"/>
             </a:endParaRPr>
           </a:p>
         </p:txBody>
@@ -5009,22 +5044,21 @@
       </p:sp>
       <p:sp>
         <p:nvSpPr>
-          <p:cNvPr id="7" name="TextBox 6"/>
-          <p:cNvSpPr txBox="1"/>
+          <p:cNvPr id="8" name="Rectangle 7"/>
+          <p:cNvSpPr/>
           <p:nvPr/>
         </p:nvSpPr>
         <p:spPr>
           <a:xfrm>
-            <a:off x="1904999" y="3842287"/>
-            <a:ext cx="3333477" cy="369332"/>
+            <a:off x="1904999" y="3248881"/>
+            <a:ext cx="3454401" cy="369332"/>
           </a:xfrm>
           <a:prstGeom prst="rect">
             <a:avLst/>
           </a:prstGeom>
-          <a:noFill/>
-        </p:spPr>
-        <p:txBody>
-          <a:bodyPr wrap="none" rtlCol="0">
+        </p:spPr>
+        <p:txBody>
+          <a:bodyPr wrap="square">
             <a:spAutoFit/>
           </a:bodyPr>
           <a:lstStyle/>
@@ -5035,7 +5069,7 @@
             </a:pPr>
             <a:r>
               <a:rPr lang="en-US" dirty="0" smtClean="0"/>
-              <a:t>Define requirement document</a:t>
+              <a:t>Define all document</a:t>
             </a:r>
             <a:endParaRPr lang="en-US" dirty="0" smtClean="0"/>
           </a:p>
@@ -5043,21 +5077,21 @@
       </p:sp>
       <p:sp>
         <p:nvSpPr>
-          <p:cNvPr id="8" name="Rectangle 7"/>
+          <p:cNvPr id="9" name="Rectangle 8"/>
           <p:cNvSpPr/>
           <p:nvPr/>
         </p:nvSpPr>
         <p:spPr>
           <a:xfrm>
-            <a:off x="1904999" y="3248881"/>
-            <a:ext cx="3454401" cy="369332"/>
+            <a:off x="1904999" y="2672221"/>
+            <a:ext cx="2250616" cy="369332"/>
           </a:xfrm>
           <a:prstGeom prst="rect">
             <a:avLst/>
           </a:prstGeom>
         </p:spPr>
         <p:txBody>
-          <a:bodyPr wrap="square">
+          <a:bodyPr wrap="none">
             <a:spAutoFit/>
           </a:bodyPr>
           <a:lstStyle/>
@@ -5068,40 +5102,7 @@
             </a:pPr>
             <a:r>
               <a:rPr lang="en-US" dirty="0" smtClean="0"/>
-              <a:t>Update test plan</a:t>
-            </a:r>
-            <a:endParaRPr lang="en-US" dirty="0" smtClean="0"/>
-          </a:p>
-        </p:txBody>
-      </p:sp>
-      <p:sp>
-        <p:nvSpPr>
-          <p:cNvPr id="9" name="Rectangle 8"/>
-          <p:cNvSpPr/>
-          <p:nvPr/>
-        </p:nvSpPr>
-        <p:spPr>
-          <a:xfrm>
-            <a:off x="1904999" y="2672221"/>
-            <a:ext cx="2041200" cy="369332"/>
-          </a:xfrm>
-          <a:prstGeom prst="rect">
-            <a:avLst/>
-          </a:prstGeom>
-        </p:spPr>
-        <p:txBody>
-          <a:bodyPr wrap="none">
-            <a:spAutoFit/>
-          </a:bodyPr>
-          <a:lstStyle/>
-          <a:p>
-            <a:pPr marL="285750" indent="-285750">
-              <a:buFont typeface="Wingdings" panose="05000000000000000000" pitchFamily="2" charset="2"/>
-              <a:buChar char="q"/>
-            </a:pPr>
-            <a:r>
-              <a:rPr lang="en-US" dirty="0" smtClean="0"/>
-              <a:t>Get requirement</a:t>
+              <a:t>Update all process</a:t>
             </a:r>
             <a:endParaRPr lang="en-US" dirty="0" smtClean="0"/>
           </a:p>
@@ -5146,6 +5147,31 @@
                 </a:schemeClr>
               </a:solidFill>
             </a:endParaRPr>
+          </a:p>
+        </p:txBody>
+      </p:sp>
+      <p:sp>
+        <p:nvSpPr>
+          <p:cNvPr id="10" name="Rectangle 9"/>
+          <p:cNvSpPr/>
+          <p:nvPr/>
+        </p:nvSpPr>
+        <p:spPr>
+          <a:xfrm>
+            <a:off x="1904999" y="4415080"/>
+            <a:ext cx="184731" cy="369332"/>
+          </a:xfrm>
+          <a:prstGeom prst="rect">
+            <a:avLst/>
+          </a:prstGeom>
+        </p:spPr>
+        <p:txBody>
+          <a:bodyPr wrap="none">
+            <a:spAutoFit/>
+          </a:bodyPr>
+          <a:lstStyle/>
+          <a:p>
+            <a:endParaRPr lang="en-US" dirty="0" smtClean="0"/>
           </a:p>
         </p:txBody>
       </p:sp>
@@ -5364,7 +5390,7 @@
         </p:nvSpPr>
         <p:spPr>
           <a:xfrm>
-            <a:off x="2121078" y="3127068"/>
+            <a:off x="2121078" y="3165705"/>
             <a:ext cx="6082764" cy="369332"/>
           </a:xfrm>
           <a:prstGeom prst="rect">
@@ -5389,7 +5415,6 @@
               <a:rPr lang="en-US" dirty="0" smtClean="0"/>
               <a:t>on’t have room for meeting with customer.</a:t>
             </a:r>
-            <a:endParaRPr lang="en-US" dirty="0" smtClean="0"/>
           </a:p>
         </p:txBody>
       </p:sp>
